--- a/ITvO/ПРИ-120-ИТвО -Презентация-Грачев.pptx
+++ b/ITvO/ПРИ-120-ИТвО -Презентация-Грачев.pptx
@@ -222,7 +222,7 @@
           <a:p>
             <a:fld id="{596949E9-1117-40B5-85C1-0F5543812598}" type="datetimeFigureOut">
               <a:rPr lang="ru-RU" smtClean="0"/>
-              <a:t>18.09.2023</a:t>
+              <a:t>01.10.2023</a:t>
             </a:fld>
             <a:endParaRPr lang="ru-RU"/>
           </a:p>
@@ -684,7 +684,7 @@
           <a:p>
             <a:fld id="{1DFED44A-A195-40E6-988A-C5A4C4F17B4C}" type="datetime1">
               <a:rPr lang="LID4096" smtClean="0"/>
-              <a:t>9/18/23</a:t>
+              <a:t>10/1/23</a:t>
             </a:fld>
             <a:endParaRPr lang="ru-UA"/>
           </a:p>
@@ -884,7 +884,7 @@
           <a:p>
             <a:fld id="{C43E41E2-50B1-413E-A92C-5407F94E5E87}" type="datetime1">
               <a:rPr lang="LID4096" smtClean="0"/>
-              <a:t>9/18/23</a:t>
+              <a:t>10/1/23</a:t>
             </a:fld>
             <a:endParaRPr lang="ru-UA"/>
           </a:p>
@@ -1094,7 +1094,7 @@
           <a:p>
             <a:fld id="{91709A9D-647C-47AD-B52C-BD4553CF6B93}" type="datetime1">
               <a:rPr lang="LID4096" smtClean="0"/>
-              <a:t>9/18/23</a:t>
+              <a:t>10/1/23</a:t>
             </a:fld>
             <a:endParaRPr lang="ru-UA"/>
           </a:p>
@@ -1299,7 +1299,7 @@
           <a:p>
             <a:fld id="{21D598F8-DD38-437B-BAEC-13A3916F8933}" type="datetime1">
               <a:rPr lang="LID4096" smtClean="0"/>
-              <a:t>9/18/23</a:t>
+              <a:t>10/1/23</a:t>
             </a:fld>
             <a:endParaRPr lang="ru-UA"/>
           </a:p>
@@ -1589,7 +1589,7 @@
           <a:p>
             <a:fld id="{15633699-1F6E-4AE9-B2EE-7D60533A1C4B}" type="datetime1">
               <a:rPr lang="LID4096" smtClean="0"/>
-              <a:t>9/18/23</a:t>
+              <a:t>10/1/23</a:t>
             </a:fld>
             <a:endParaRPr lang="ru-UA"/>
           </a:p>
@@ -1857,7 +1857,7 @@
           <a:p>
             <a:fld id="{625451F2-B09B-47D4-9BE9-9736BB5F0858}" type="datetime1">
               <a:rPr lang="LID4096" smtClean="0"/>
-              <a:t>9/18/23</a:t>
+              <a:t>10/1/23</a:t>
             </a:fld>
             <a:endParaRPr lang="ru-UA"/>
           </a:p>
@@ -2272,7 +2272,7 @@
           <a:p>
             <a:fld id="{F9FC1B58-77D9-4F9D-B63E-043604DA7224}" type="datetime1">
               <a:rPr lang="LID4096" smtClean="0"/>
-              <a:t>9/18/23</a:t>
+              <a:t>10/1/23</a:t>
             </a:fld>
             <a:endParaRPr lang="ru-UA"/>
           </a:p>
@@ -2414,7 +2414,7 @@
           <a:p>
             <a:fld id="{9FB4B8BF-7680-47FE-928E-EA374D15CD28}" type="datetime1">
               <a:rPr lang="LID4096" smtClean="0"/>
-              <a:t>9/18/23</a:t>
+              <a:t>10/1/23</a:t>
             </a:fld>
             <a:endParaRPr lang="ru-UA"/>
           </a:p>
@@ -2527,7 +2527,7 @@
           <a:p>
             <a:fld id="{7C14C02B-9F13-4DAB-B5E2-6BD4623986CF}" type="datetime1">
               <a:rPr lang="LID4096" smtClean="0"/>
-              <a:t>9/18/23</a:t>
+              <a:t>10/1/23</a:t>
             </a:fld>
             <a:endParaRPr lang="ru-UA"/>
           </a:p>
@@ -2840,7 +2840,7 @@
           <a:p>
             <a:fld id="{1C7E0661-827E-484F-990C-F5BC1B9167B7}" type="datetime1">
               <a:rPr lang="LID4096" smtClean="0"/>
-              <a:t>9/18/23</a:t>
+              <a:t>10/1/23</a:t>
             </a:fld>
             <a:endParaRPr lang="ru-UA"/>
           </a:p>
@@ -3129,7 +3129,7 @@
           <a:p>
             <a:fld id="{D1769527-FBB0-42ED-82A2-CB20AF7F93FE}" type="datetime1">
               <a:rPr lang="LID4096" smtClean="0"/>
-              <a:t>9/18/23</a:t>
+              <a:t>10/1/23</a:t>
             </a:fld>
             <a:endParaRPr lang="ru-UA"/>
           </a:p>
@@ -3408,7 +3408,7 @@
           <a:p>
             <a:fld id="{A360502C-28A5-4248-BC24-5E6CAF2C5962}" type="datetime1">
               <a:rPr lang="LID4096" smtClean="0"/>
-              <a:t>9/18/23</a:t>
+              <a:t>10/1/23</a:t>
             </a:fld>
             <a:endParaRPr lang="ru-UA"/>
           </a:p>
@@ -4116,13 +4116,13 @@
   <p:clrMapOvr>
     <a:masterClrMapping/>
   </p:clrMapOvr>
-  <mc:AlternateContent xmlns:mc="http://schemas.openxmlformats.org/markup-compatibility/2006">
-    <mc:Choice xmlns:p14="http://schemas.microsoft.com/office/powerpoint/2010/main" Requires="p14">
+  <mc:AlternateContent xmlns:mc="http://schemas.openxmlformats.org/markup-compatibility/2006" xmlns:p14="http://schemas.microsoft.com/office/powerpoint/2010/main">
+    <mc:Choice Requires="p14">
       <p:transition spd="slow" p14:dur="800">
         <p:circle/>
       </p:transition>
     </mc:Choice>
-    <mc:Fallback>
+    <mc:Fallback xmlns="">
       <p:transition spd="slow">
         <p:circle/>
       </p:transition>
@@ -4790,13 +4790,13 @@
   <p:clrMapOvr>
     <a:masterClrMapping/>
   </p:clrMapOvr>
-  <mc:AlternateContent xmlns:mc="http://schemas.openxmlformats.org/markup-compatibility/2006">
-    <mc:Choice xmlns:p14="http://schemas.microsoft.com/office/powerpoint/2010/main" Requires="p14">
+  <mc:AlternateContent xmlns:mc="http://schemas.openxmlformats.org/markup-compatibility/2006" xmlns:p14="http://schemas.microsoft.com/office/powerpoint/2010/main">
+    <mc:Choice Requires="p14">
       <p:transition spd="slow">
         <p14:flash/>
       </p:transition>
     </mc:Choice>
-    <mc:Fallback>
+    <mc:Fallback xmlns="">
       <p:transition spd="slow">
         <p:fade/>
       </p:transition>
@@ -5101,13 +5101,13 @@
   <p:clrMapOvr>
     <a:masterClrMapping/>
   </p:clrMapOvr>
-  <mc:AlternateContent xmlns:mc="http://schemas.openxmlformats.org/markup-compatibility/2006">
-    <mc:Choice xmlns:p15="http://schemas.microsoft.com/office/powerpoint/2012/main" Requires="p15">
+  <mc:AlternateContent xmlns:mc="http://schemas.openxmlformats.org/markup-compatibility/2006" xmlns:p15="http://schemas.microsoft.com/office/powerpoint/2012/main">
+    <mc:Choice Requires="p15">
       <p:transition xmlns:p14="http://schemas.microsoft.com/office/powerpoint/2010/main" spd="slow" p14:dur="2000">
         <p15:prstTrans prst="fallOver"/>
       </p:transition>
     </mc:Choice>
-    <mc:Fallback>
+    <mc:Fallback xmlns="">
       <p:transition spd="slow">
         <p:fade/>
       </p:transition>
@@ -5344,13 +5344,13 @@
   <p:clrMapOvr>
     <a:masterClrMapping/>
   </p:clrMapOvr>
-  <mc:AlternateContent xmlns:mc="http://schemas.openxmlformats.org/markup-compatibility/2006">
-    <mc:Choice xmlns:p15="http://schemas.microsoft.com/office/powerpoint/2012/main" Requires="p15">
+  <mc:AlternateContent xmlns:mc="http://schemas.openxmlformats.org/markup-compatibility/2006" xmlns:p15="http://schemas.microsoft.com/office/powerpoint/2012/main">
+    <mc:Choice Requires="p15">
       <p:transition xmlns:p14="http://schemas.microsoft.com/office/powerpoint/2010/main" spd="slow" p14:dur="2000">
         <p15:prstTrans prst="drape"/>
       </p:transition>
     </mc:Choice>
-    <mc:Fallback>
+    <mc:Fallback xmlns="">
       <p:transition spd="slow">
         <p:fade/>
       </p:transition>
@@ -5571,13 +5571,13 @@
   <p:clrMapOvr>
     <a:masterClrMapping/>
   </p:clrMapOvr>
-  <mc:AlternateContent xmlns:mc="http://schemas.openxmlformats.org/markup-compatibility/2006">
-    <mc:Choice xmlns:p15="http://schemas.microsoft.com/office/powerpoint/2012/main" Requires="p15">
+  <mc:AlternateContent xmlns:mc="http://schemas.openxmlformats.org/markup-compatibility/2006" xmlns:p15="http://schemas.microsoft.com/office/powerpoint/2012/main">
+    <mc:Choice Requires="p15">
       <p:transition xmlns:p14="http://schemas.microsoft.com/office/powerpoint/2010/main" spd="slow" p14:dur="2500">
         <p15:prstTrans prst="curtains"/>
       </p:transition>
     </mc:Choice>
-    <mc:Fallback>
+    <mc:Fallback xmlns="">
       <p:transition spd="slow">
         <p:fade/>
       </p:transition>
@@ -5798,13 +5798,13 @@
   <p:clrMapOvr>
     <a:masterClrMapping/>
   </p:clrMapOvr>
-  <mc:AlternateContent xmlns:mc="http://schemas.openxmlformats.org/markup-compatibility/2006">
-    <mc:Choice xmlns:p15="http://schemas.microsoft.com/office/powerpoint/2012/main" Requires="p15">
+  <mc:AlternateContent xmlns:mc="http://schemas.openxmlformats.org/markup-compatibility/2006" xmlns:p15="http://schemas.microsoft.com/office/powerpoint/2012/main">
+    <mc:Choice Requires="p15">
       <p:transition xmlns:p14="http://schemas.microsoft.com/office/powerpoint/2010/main" spd="slow" p14:dur="2000">
         <p15:prstTrans prst="wind"/>
       </p:transition>
     </mc:Choice>
-    <mc:Fallback>
+    <mc:Fallback xmlns="">
       <p:transition spd="slow">
         <p:fade/>
       </p:transition>
@@ -6021,13 +6021,13 @@
   <p:clrMapOvr>
     <a:masterClrMapping/>
   </p:clrMapOvr>
-  <mc:AlternateContent xmlns:mc="http://schemas.openxmlformats.org/markup-compatibility/2006">
-    <mc:Choice xmlns:p15="http://schemas.microsoft.com/office/powerpoint/2012/main" Requires="p15">
+  <mc:AlternateContent xmlns:mc="http://schemas.openxmlformats.org/markup-compatibility/2006" xmlns:p15="http://schemas.microsoft.com/office/powerpoint/2012/main">
+    <mc:Choice Requires="p15">
       <p:transition xmlns:p14="http://schemas.microsoft.com/office/powerpoint/2010/main" spd="slow" p14:dur="2000">
         <p15:prstTrans prst="prestige"/>
       </p:transition>
     </mc:Choice>
-    <mc:Fallback>
+    <mc:Fallback xmlns="">
       <p:transition spd="slow">
         <p:fade/>
       </p:transition>
@@ -6239,13 +6239,13 @@
   <p:clrMapOvr>
     <a:masterClrMapping/>
   </p:clrMapOvr>
-  <mc:AlternateContent xmlns:mc="http://schemas.openxmlformats.org/markup-compatibility/2006">
-    <mc:Choice xmlns:p15="http://schemas.microsoft.com/office/powerpoint/2012/main" Requires="p15">
+  <mc:AlternateContent xmlns:mc="http://schemas.openxmlformats.org/markup-compatibility/2006" xmlns:p15="http://schemas.microsoft.com/office/powerpoint/2012/main">
+    <mc:Choice Requires="p15">
       <p:transition xmlns:p14="http://schemas.microsoft.com/office/powerpoint/2010/main" spd="slow" p14:dur="2000">
         <p15:prstTrans prst="fracture"/>
       </p:transition>
     </mc:Choice>
-    <mc:Fallback>
+    <mc:Fallback xmlns="">
       <p:transition spd="slow">
         <p:fade/>
       </p:transition>
@@ -6406,13 +6406,13 @@
   <p:clrMapOvr>
     <a:masterClrMapping/>
   </p:clrMapOvr>
-  <mc:AlternateContent xmlns:mc="http://schemas.openxmlformats.org/markup-compatibility/2006">
-    <mc:Choice xmlns:p159="http://schemas.microsoft.com/office/powerpoint/2015/09/main" Requires="p159">
+  <mc:AlternateContent xmlns:mc="http://schemas.openxmlformats.org/markup-compatibility/2006" xmlns:p159="http://schemas.microsoft.com/office/powerpoint/2015/09/main">
+    <mc:Choice Requires="p159">
       <p:transition xmlns:p14="http://schemas.microsoft.com/office/powerpoint/2010/main" spd="slow" p14:dur="2000">
         <p159:morph option="byObject"/>
       </p:transition>
     </mc:Choice>
-    <mc:Fallback>
+    <mc:Fallback xmlns="">
       <p:transition spd="slow">
         <p:fade/>
       </p:transition>
@@ -6624,13 +6624,13 @@
   <p:clrMapOvr>
     <a:masterClrMapping/>
   </p:clrMapOvr>
-  <mc:AlternateContent xmlns:mc="http://schemas.openxmlformats.org/markup-compatibility/2006">
-    <mc:Choice xmlns:p15="http://schemas.microsoft.com/office/powerpoint/2012/main" Requires="p15">
+  <mc:AlternateContent xmlns:mc="http://schemas.openxmlformats.org/markup-compatibility/2006" xmlns:p15="http://schemas.microsoft.com/office/powerpoint/2012/main">
+    <mc:Choice Requires="p15">
       <p:transition xmlns:p14="http://schemas.microsoft.com/office/powerpoint/2010/main" spd="slow" p14:dur="2000">
         <p15:prstTrans prst="crush"/>
       </p:transition>
     </mc:Choice>
-    <mc:Fallback>
+    <mc:Fallback xmlns="">
       <p:transition spd="slow">
         <p:fade/>
       </p:transition>
@@ -6883,13 +6883,13 @@
   <p:clrMapOvr>
     <a:masterClrMapping/>
   </p:clrMapOvr>
-  <mc:AlternateContent xmlns:mc="http://schemas.openxmlformats.org/markup-compatibility/2006">
-    <mc:Choice xmlns:p15="http://schemas.microsoft.com/office/powerpoint/2012/main" Requires="p15">
+  <mc:AlternateContent xmlns:mc="http://schemas.openxmlformats.org/markup-compatibility/2006" xmlns:p15="http://schemas.microsoft.com/office/powerpoint/2012/main">
+    <mc:Choice Requires="p15">
       <p:transition xmlns:p14="http://schemas.microsoft.com/office/powerpoint/2010/main" spd="slow" p14:dur="1250">
         <p15:prstTrans prst="peelOff"/>
       </p:transition>
     </mc:Choice>
-    <mc:Fallback>
+    <mc:Fallback xmlns="">
       <p:transition spd="slow">
         <p:fade/>
       </p:transition>
@@ -7096,13 +7096,13 @@
   <p:clrMapOvr>
     <a:masterClrMapping/>
   </p:clrMapOvr>
-  <mc:AlternateContent xmlns:mc="http://schemas.openxmlformats.org/markup-compatibility/2006">
-    <mc:Choice xmlns:p15="http://schemas.microsoft.com/office/powerpoint/2012/main" Requires="p15">
+  <mc:AlternateContent xmlns:mc="http://schemas.openxmlformats.org/markup-compatibility/2006" xmlns:p15="http://schemas.microsoft.com/office/powerpoint/2012/main">
+    <mc:Choice Requires="p15">
       <p:transition xmlns:p14="http://schemas.microsoft.com/office/powerpoint/2010/main" spd="slow" p14:dur="1250">
         <p15:prstTrans prst="pageCurlDouble"/>
       </p:transition>
     </mc:Choice>
-    <mc:Fallback>
+    <mc:Fallback xmlns="">
       <p:transition spd="slow">
         <p:fade/>
       </p:transition>
@@ -7533,13 +7533,13 @@
   <p:clrMapOvr>
     <a:masterClrMapping/>
   </p:clrMapOvr>
-  <mc:AlternateContent xmlns:mc="http://schemas.openxmlformats.org/markup-compatibility/2006">
-    <mc:Choice xmlns:p14="http://schemas.microsoft.com/office/powerpoint/2010/main" Requires="p14">
+  <mc:AlternateContent xmlns:mc="http://schemas.openxmlformats.org/markup-compatibility/2006" xmlns:p14="http://schemas.microsoft.com/office/powerpoint/2010/main">
+    <mc:Choice Requires="p14">
       <p:transition spd="slow" p14:dur="2000">
         <p14:prism isContent="1"/>
       </p:transition>
     </mc:Choice>
-    <mc:Fallback>
+    <mc:Fallback xmlns="">
       <p:transition spd="slow">
         <p:fade/>
       </p:transition>
@@ -7786,13 +7786,13 @@
   <p:clrMapOvr>
     <a:masterClrMapping/>
   </p:clrMapOvr>
-  <mc:AlternateContent xmlns:mc="http://schemas.openxmlformats.org/markup-compatibility/2006">
-    <mc:Choice xmlns:p14="http://schemas.microsoft.com/office/powerpoint/2010/main" Requires="p14">
+  <mc:AlternateContent xmlns:mc="http://schemas.openxmlformats.org/markup-compatibility/2006" xmlns:p14="http://schemas.microsoft.com/office/powerpoint/2010/main">
+    <mc:Choice Requires="p14">
       <p:transition spd="slow" p14:dur="3000">
         <p14:shred/>
       </p:transition>
     </mc:Choice>
-    <mc:Fallback>
+    <mc:Fallback xmlns="">
       <p:transition spd="slow">
         <p:fade/>
       </p:transition>
@@ -7936,13 +7936,13 @@
   <p:clrMapOvr>
     <a:masterClrMapping/>
   </p:clrMapOvr>
-  <mc:AlternateContent xmlns:mc="http://schemas.openxmlformats.org/markup-compatibility/2006">
-    <mc:Choice xmlns:p14="http://schemas.microsoft.com/office/powerpoint/2010/main" Requires="p14">
+  <mc:AlternateContent xmlns:mc="http://schemas.openxmlformats.org/markup-compatibility/2006" xmlns:p14="http://schemas.microsoft.com/office/powerpoint/2010/main">
+    <mc:Choice Requires="p14">
       <p:transition spd="slow" p14:dur="3000">
         <p14:shred/>
       </p:transition>
     </mc:Choice>
-    <mc:Fallback>
+    <mc:Fallback xmlns="">
       <p:transition spd="slow">
         <p:fade/>
       </p:transition>
@@ -8152,13 +8152,13 @@
   <p:clrMapOvr>
     <a:masterClrMapping/>
   </p:clrMapOvr>
-  <mc:AlternateContent xmlns:mc="http://schemas.openxmlformats.org/markup-compatibility/2006">
-    <mc:Choice xmlns:p14="http://schemas.microsoft.com/office/powerpoint/2010/main" Requires="p14">
+  <mc:AlternateContent xmlns:mc="http://schemas.openxmlformats.org/markup-compatibility/2006" xmlns:p14="http://schemas.microsoft.com/office/powerpoint/2010/main">
+    <mc:Choice Requires="p14">
       <p:transition spd="med" p14:dur="700">
         <p:fade/>
       </p:transition>
     </mc:Choice>
-    <mc:Fallback>
+    <mc:Fallback xmlns="">
       <p:transition spd="med">
         <p:fade/>
       </p:transition>
@@ -8878,13 +8878,13 @@
   <p:clrMapOvr>
     <a:masterClrMapping/>
   </p:clrMapOvr>
-  <mc:AlternateContent xmlns:mc="http://schemas.openxmlformats.org/markup-compatibility/2006">
-    <mc:Choice xmlns:p14="http://schemas.microsoft.com/office/powerpoint/2010/main" Requires="p14">
+  <mc:AlternateContent xmlns:mc="http://schemas.openxmlformats.org/markup-compatibility/2006" xmlns:p14="http://schemas.microsoft.com/office/powerpoint/2010/main">
+    <mc:Choice Requires="p14">
       <p:transition spd="slow" p14:dur="1500">
         <p:split orient="vert"/>
       </p:transition>
     </mc:Choice>
-    <mc:Fallback>
+    <mc:Fallback xmlns="">
       <p:transition spd="slow">
         <p:split orient="vert"/>
       </p:transition>
@@ -9110,13 +9110,13 @@
   <p:clrMapOvr>
     <a:masterClrMapping/>
   </p:clrMapOvr>
-  <mc:AlternateContent xmlns:mc="http://schemas.openxmlformats.org/markup-compatibility/2006">
-    <mc:Choice xmlns:p14="http://schemas.microsoft.com/office/powerpoint/2010/main" Requires="p14">
+  <mc:AlternateContent xmlns:mc="http://schemas.openxmlformats.org/markup-compatibility/2006" xmlns:p14="http://schemas.microsoft.com/office/powerpoint/2010/main">
+    <mc:Choice Requires="p14">
       <p:transition spd="slow" p14:dur="3400">
         <p14:reveal/>
       </p:transition>
     </mc:Choice>
-    <mc:Fallback>
+    <mc:Fallback xmlns="">
       <p:transition spd="slow">
         <p:fade/>
       </p:transition>
@@ -9341,13 +9341,13 @@
   <p:clrMapOvr>
     <a:masterClrMapping/>
   </p:clrMapOvr>
-  <mc:AlternateContent xmlns:mc="http://schemas.openxmlformats.org/markup-compatibility/2006">
-    <mc:Choice xmlns:p14="http://schemas.microsoft.com/office/powerpoint/2010/main" Requires="p14">
+  <mc:AlternateContent xmlns:mc="http://schemas.openxmlformats.org/markup-compatibility/2006" xmlns:p14="http://schemas.microsoft.com/office/powerpoint/2010/main">
+    <mc:Choice Requires="p14">
       <p:transition p14:dur="100">
         <p:cut/>
       </p:transition>
     </mc:Choice>
-    <mc:Fallback>
+    <mc:Fallback xmlns="">
       <p:transition>
         <p:cut/>
       </p:transition>
